--- a/companion-website/public/files/Overflow. Names.pptx
+++ b/companion-website/public/files/Overflow. Names.pptx
@@ -5,7 +5,7 @@
     <p:sldMasterId id="2147483648" r:id="rId1"/>
   </p:sldMasterIdLst>
   <p:notesMasterIdLst>
-    <p:notesMasterId r:id="rId20"/>
+    <p:notesMasterId r:id="rId19"/>
   </p:notesMasterIdLst>
   <p:sldIdLst>
     <p:sldId id="275" r:id="rId2"/>
@@ -25,7 +25,6 @@
     <p:sldId id="465" r:id="rId16"/>
     <p:sldId id="459" r:id="rId17"/>
     <p:sldId id="464" r:id="rId18"/>
-    <p:sldId id="443" r:id="rId19"/>
   </p:sldIdLst>
   <p:sldSz cx="9144000" cy="6858000" type="screen4x3"/>
   <p:notesSz cx="6858000" cy="9144000"/>
@@ -2022,7 +2021,7 @@
           <a:p>
             <a:fld id="{8F7EB338-8BB0-B64B-9F79-C87EA24D723F}" type="datetimeFigureOut">
               <a:rPr lang="en-US" smtClean="0"/>
-              <a:t>10/6/20</a:t>
+              <a:t>10/10/2020</a:t>
             </a:fld>
             <a:endParaRPr lang="en-US"/>
           </a:p>
@@ -2560,7 +2559,7 @@
             <a:fld id="{DBE77699-C466-4996-ADED-71C8160E04A2}" type="datetimeFigureOut">
               <a:rPr lang="en-US" smtClean="0"/>
               <a:pPr/>
-              <a:t>10/6/20</a:t>
+              <a:t>10/10/2020</a:t>
             </a:fld>
             <a:endParaRPr lang="en-US"/>
           </a:p>
@@ -2725,7 +2724,7 @@
             <a:fld id="{DBE77699-C466-4996-ADED-71C8160E04A2}" type="datetimeFigureOut">
               <a:rPr lang="en-US" smtClean="0"/>
               <a:pPr/>
-              <a:t>10/6/20</a:t>
+              <a:t>10/10/2020</a:t>
             </a:fld>
             <a:endParaRPr lang="en-US"/>
           </a:p>
@@ -2900,7 +2899,7 @@
             <a:fld id="{DBE77699-C466-4996-ADED-71C8160E04A2}" type="datetimeFigureOut">
               <a:rPr lang="en-US" smtClean="0"/>
               <a:pPr/>
-              <a:t>10/6/20</a:t>
+              <a:t>10/10/2020</a:t>
             </a:fld>
             <a:endParaRPr lang="en-US"/>
           </a:p>
@@ -3019,7 +3018,7 @@
             <a:fld id="{DBE77699-C466-4996-ADED-71C8160E04A2}" type="datetimeFigureOut">
               <a:rPr lang="en-US" smtClean="0"/>
               <a:pPr/>
-              <a:t>10/6/20</a:t>
+              <a:t>10/10/2020</a:t>
             </a:fld>
             <a:endParaRPr lang="en-US"/>
           </a:p>
@@ -3427,7 +3426,7 @@
             <a:fld id="{DBE77699-C466-4996-ADED-71C8160E04A2}" type="datetimeFigureOut">
               <a:rPr lang="en-US" smtClean="0"/>
               <a:pPr/>
-              <a:t>10/6/20</a:t>
+              <a:t>10/10/2020</a:t>
             </a:fld>
             <a:endParaRPr lang="en-US"/>
           </a:p>
@@ -3669,7 +3668,7 @@
             <a:fld id="{DBE77699-C466-4996-ADED-71C8160E04A2}" type="datetimeFigureOut">
               <a:rPr lang="en-US" smtClean="0"/>
               <a:pPr/>
-              <a:t>10/6/20</a:t>
+              <a:t>10/10/2020</a:t>
             </a:fld>
             <a:endParaRPr lang="en-US"/>
           </a:p>
@@ -3951,7 +3950,7 @@
             <a:fld id="{DBE77699-C466-4996-ADED-71C8160E04A2}" type="datetimeFigureOut">
               <a:rPr lang="en-US" smtClean="0"/>
               <a:pPr/>
-              <a:t>10/6/20</a:t>
+              <a:t>10/10/2020</a:t>
             </a:fld>
             <a:endParaRPr lang="en-US"/>
           </a:p>
@@ -4367,7 +4366,7 @@
             <a:fld id="{DBE77699-C466-4996-ADED-71C8160E04A2}" type="datetimeFigureOut">
               <a:rPr lang="en-US" smtClean="0"/>
               <a:pPr/>
-              <a:t>10/6/20</a:t>
+              <a:t>10/10/2020</a:t>
             </a:fld>
             <a:endParaRPr lang="en-US"/>
           </a:p>
@@ -4481,7 +4480,7 @@
             <a:fld id="{DBE77699-C466-4996-ADED-71C8160E04A2}" type="datetimeFigureOut">
               <a:rPr lang="en-US" smtClean="0"/>
               <a:pPr/>
-              <a:t>10/6/20</a:t>
+              <a:t>10/10/2020</a:t>
             </a:fld>
             <a:endParaRPr lang="en-US"/>
           </a:p>
@@ -4573,7 +4572,7 @@
             <a:fld id="{DBE77699-C466-4996-ADED-71C8160E04A2}" type="datetimeFigureOut">
               <a:rPr lang="en-US" smtClean="0"/>
               <a:pPr/>
-              <a:t>10/6/20</a:t>
+              <a:t>10/10/2020</a:t>
             </a:fld>
             <a:endParaRPr lang="en-US"/>
           </a:p>
@@ -4845,7 +4844,7 @@
             <a:fld id="{DBE77699-C466-4996-ADED-71C8160E04A2}" type="datetimeFigureOut">
               <a:rPr lang="en-US" smtClean="0"/>
               <a:pPr/>
-              <a:t>10/6/20</a:t>
+              <a:t>10/10/2020</a:t>
             </a:fld>
             <a:endParaRPr lang="en-US"/>
           </a:p>
@@ -5094,7 +5093,7 @@
             <a:fld id="{DBE77699-C466-4996-ADED-71C8160E04A2}" type="datetimeFigureOut">
               <a:rPr lang="en-US" smtClean="0"/>
               <a:pPr/>
-              <a:t>10/6/20</a:t>
+              <a:t>10/10/2020</a:t>
             </a:fld>
             <a:endParaRPr lang="en-US"/>
           </a:p>
@@ -5305,7 +5304,7 @@
             <a:fld id="{DBE77699-C466-4996-ADED-71C8160E04A2}" type="datetimeFigureOut">
               <a:rPr lang="en-US" smtClean="0"/>
               <a:pPr/>
-              <a:t>10/6/20</a:t>
+              <a:t>10/10/2020</a:t>
             </a:fld>
             <a:endParaRPr lang="en-US"/>
           </a:p>
@@ -8394,7 +8393,7 @@
           <p:nvPr/>
         </p:nvPicPr>
         <p:blipFill>
-          <a:blip r:embed="rId2">
+          <a:blip r:embed="rId2" cstate="print">
             <a:extLst>
               <a:ext uri="{28A0092B-C50C-407E-A947-70E740481C1C}">
                 <a14:useLocalDpi xmlns:a14="http://schemas.microsoft.com/office/drawing/2010/main" val="0"/>
@@ -8507,502 +8506,6 @@
         </p:cTn>
       </p:par>
     </p:tnLst>
-  </p:timing>
-</p:sld>
-</file>
-
-<file path=ppt/slides/slide18.xml><?xml version="1.0" encoding="utf-8"?>
-<p:sld xmlns:a="http://schemas.openxmlformats.org/drawingml/2006/main" xmlns:r="http://schemas.openxmlformats.org/officeDocument/2006/relationships" xmlns:p="http://schemas.openxmlformats.org/presentationml/2006/main">
-  <p:cSld>
-    <p:spTree>
-      <p:nvGrpSpPr>
-        <p:cNvPr id="1" name=""/>
-        <p:cNvGrpSpPr/>
-        <p:nvPr/>
-      </p:nvGrpSpPr>
-      <p:grpSpPr>
-        <a:xfrm>
-          <a:off x="0" y="0"/>
-          <a:ext cx="0" cy="0"/>
-          <a:chOff x="0" y="0"/>
-          <a:chExt cx="0" cy="0"/>
-        </a:xfrm>
-      </p:grpSpPr>
-      <p:pic>
-        <p:nvPicPr>
-          <p:cNvPr id="6" name="Picture 5">
-            <a:extLst>
-              <a:ext uri="{FF2B5EF4-FFF2-40B4-BE49-F238E27FC236}">
-                <a16:creationId xmlns:a16="http://schemas.microsoft.com/office/drawing/2014/main" id="{866984C2-8752-D04E-BF37-8FF5B7978EF0}"/>
-              </a:ext>
-            </a:extLst>
-          </p:cNvPr>
-          <p:cNvPicPr>
-            <a:picLocks noChangeAspect="1"/>
-          </p:cNvPicPr>
-          <p:nvPr/>
-        </p:nvPicPr>
-        <p:blipFill>
-          <a:blip r:embed="rId2"/>
-          <a:stretch>
-            <a:fillRect/>
-          </a:stretch>
-        </p:blipFill>
-        <p:spPr>
-          <a:xfrm>
-            <a:off x="-1091665" y="104"/>
-            <a:ext cx="10235666" cy="6857896"/>
-          </a:xfrm>
-          <a:prstGeom prst="rect">
-            <a:avLst/>
-          </a:prstGeom>
-        </p:spPr>
-      </p:pic>
-      <p:sp>
-        <p:nvSpPr>
-          <p:cNvPr id="5" name="Rectangle 4"/>
-          <p:cNvSpPr/>
-          <p:nvPr/>
-        </p:nvSpPr>
-        <p:spPr>
-          <a:xfrm>
-            <a:off x="1676400" y="3276600"/>
-            <a:ext cx="5334000" cy="1066800"/>
-          </a:xfrm>
-          <a:prstGeom prst="rect">
-            <a:avLst/>
-          </a:prstGeom>
-          <a:solidFill>
-            <a:schemeClr val="bg1">
-              <a:alpha val="70000"/>
-            </a:schemeClr>
-          </a:solidFill>
-          <a:ln w="34925">
-            <a:solidFill>
-              <a:schemeClr val="tx1"/>
-            </a:solidFill>
-          </a:ln>
-          <a:effectLst/>
-        </p:spPr>
-        <p:style>
-          <a:lnRef idx="1">
-            <a:schemeClr val="accent1"/>
-          </a:lnRef>
-          <a:fillRef idx="3">
-            <a:schemeClr val="accent1"/>
-          </a:fillRef>
-          <a:effectRef idx="2">
-            <a:schemeClr val="accent1"/>
-          </a:effectRef>
-          <a:fontRef idx="minor">
-            <a:schemeClr val="lt1"/>
-          </a:fontRef>
-        </p:style>
-        <p:txBody>
-          <a:bodyPr rtlCol="0" anchor="ctr"/>
-          <a:lstStyle/>
-          <a:p>
-            <a:endParaRPr lang="en-US" dirty="0"/>
-          </a:p>
-        </p:txBody>
-      </p:sp>
-      <p:sp>
-        <p:nvSpPr>
-          <p:cNvPr id="8" name="TextBox 7"/>
-          <p:cNvSpPr txBox="1"/>
-          <p:nvPr/>
-        </p:nvSpPr>
-        <p:spPr>
-          <a:xfrm>
-            <a:off x="1752600" y="3352800"/>
-            <a:ext cx="5181600" cy="892552"/>
-          </a:xfrm>
-          <a:prstGeom prst="rect">
-            <a:avLst/>
-          </a:prstGeom>
-          <a:noFill/>
-        </p:spPr>
-        <p:txBody>
-          <a:bodyPr wrap="square" rtlCol="0">
-            <a:spAutoFit/>
-          </a:bodyPr>
-          <a:lstStyle/>
-          <a:p>
-            <a:r>
-              <a:rPr lang="en-US" sz="2600" dirty="0"/>
-              <a:t>The real cover-up, the lie, could only be held together for </a:t>
-            </a:r>
-            <a:r>
-              <a:rPr lang="en-US" sz="2600" b="1" u="sng" dirty="0"/>
-              <a:t>two weeks</a:t>
-            </a:r>
-          </a:p>
-        </p:txBody>
-      </p:sp>
-      <p:sp>
-        <p:nvSpPr>
-          <p:cNvPr id="10" name="Rectangle 9"/>
-          <p:cNvSpPr/>
-          <p:nvPr/>
-        </p:nvSpPr>
-        <p:spPr>
-          <a:xfrm>
-            <a:off x="3124200" y="4258056"/>
-            <a:ext cx="2438400" cy="152400"/>
-          </a:xfrm>
-          <a:prstGeom prst="rect">
-            <a:avLst/>
-          </a:prstGeom>
-          <a:solidFill>
-            <a:schemeClr val="tx1"/>
-          </a:solidFill>
-          <a:ln>
-            <a:noFill/>
-          </a:ln>
-          <a:effectLst/>
-        </p:spPr>
-        <p:style>
-          <a:lnRef idx="1">
-            <a:schemeClr val="accent1"/>
-          </a:lnRef>
-          <a:fillRef idx="3">
-            <a:schemeClr val="accent1"/>
-          </a:fillRef>
-          <a:effectRef idx="2">
-            <a:schemeClr val="accent1"/>
-          </a:effectRef>
-          <a:fontRef idx="minor">
-            <a:schemeClr val="lt1"/>
-          </a:fontRef>
-        </p:style>
-        <p:txBody>
-          <a:bodyPr rtlCol="0" anchor="ctr"/>
-          <a:lstStyle/>
-          <a:p>
-            <a:pPr algn="ctr"/>
-            <a:r>
-              <a:rPr lang="en-US" sz="800" dirty="0">
-                <a:solidFill>
-                  <a:schemeClr val="bg1"/>
-                </a:solidFill>
-              </a:rPr>
-              <a:t>Chuck Colson, Nixon Aide</a:t>
-            </a:r>
-          </a:p>
-        </p:txBody>
-      </p:sp>
-    </p:spTree>
-    <p:extLst>
-      <p:ext uri="{BB962C8B-B14F-4D97-AF65-F5344CB8AC3E}">
-        <p14:creationId xmlns:p14="http://schemas.microsoft.com/office/powerpoint/2010/main" val="1030309952"/>
-      </p:ext>
-    </p:extLst>
-  </p:cSld>
-  <p:clrMapOvr>
-    <a:masterClrMapping/>
-  </p:clrMapOvr>
-  <p:timing>
-    <p:tnLst>
-      <p:par>
-        <p:cTn id="1" dur="indefinite" restart="never" nodeType="tmRoot">
-          <p:childTnLst>
-            <p:seq concurrent="1" nextAc="seek">
-              <p:cTn id="2" dur="indefinite" nodeType="mainSeq">
-                <p:childTnLst>
-                  <p:par>
-                    <p:cTn id="3" fill="hold">
-                      <p:stCondLst>
-                        <p:cond delay="indefinite"/>
-                      </p:stCondLst>
-                      <p:childTnLst>
-                        <p:par>
-                          <p:cTn id="4" fill="hold">
-                            <p:stCondLst>
-                              <p:cond delay="0"/>
-                            </p:stCondLst>
-                            <p:childTnLst>
-                              <p:par>
-                                <p:cTn id="5" presetID="10" presetClass="entr" presetSubtype="0" fill="hold" nodeType="clickEffect">
-                                  <p:stCondLst>
-                                    <p:cond delay="0"/>
-                                  </p:stCondLst>
-                                  <p:childTnLst>
-                                    <p:set>
-                                      <p:cBhvr>
-                                        <p:cTn id="6" dur="1" fill="hold">
-                                          <p:stCondLst>
-                                            <p:cond delay="0"/>
-                                          </p:stCondLst>
-                                        </p:cTn>
-                                        <p:tgtEl>
-                                          <p:spTgt spid="6"/>
-                                        </p:tgtEl>
-                                        <p:attrNameLst>
-                                          <p:attrName>style.visibility</p:attrName>
-                                        </p:attrNameLst>
-                                      </p:cBhvr>
-                                      <p:to>
-                                        <p:strVal val="visible"/>
-                                      </p:to>
-                                    </p:set>
-                                    <p:animEffect transition="in" filter="fade">
-                                      <p:cBhvr>
-                                        <p:cTn id="7" dur="500"/>
-                                        <p:tgtEl>
-                                          <p:spTgt spid="6"/>
-                                        </p:tgtEl>
-                                      </p:cBhvr>
-                                    </p:animEffect>
-                                  </p:childTnLst>
-                                </p:cTn>
-                              </p:par>
-                            </p:childTnLst>
-                          </p:cTn>
-                        </p:par>
-                        <p:par>
-                          <p:cTn id="8" fill="hold">
-                            <p:stCondLst>
-                              <p:cond delay="500"/>
-                            </p:stCondLst>
-                            <p:childTnLst>
-                              <p:par>
-                                <p:cTn id="9" presetID="1" presetClass="entr" presetSubtype="0" fill="hold" grpId="2" nodeType="afterEffect">
-                                  <p:stCondLst>
-                                    <p:cond delay="1000"/>
-                                  </p:stCondLst>
-                                  <p:childTnLst>
-                                    <p:set>
-                                      <p:cBhvr>
-                                        <p:cTn id="10" dur="1" fill="hold">
-                                          <p:stCondLst>
-                                            <p:cond delay="0"/>
-                                          </p:stCondLst>
-                                        </p:cTn>
-                                        <p:tgtEl>
-                                          <p:spTgt spid="5"/>
-                                        </p:tgtEl>
-                                        <p:attrNameLst>
-                                          <p:attrName>style.visibility</p:attrName>
-                                        </p:attrNameLst>
-                                      </p:cBhvr>
-                                      <p:to>
-                                        <p:strVal val="visible"/>
-                                      </p:to>
-                                    </p:set>
-                                  </p:childTnLst>
-                                </p:cTn>
-                              </p:par>
-                            </p:childTnLst>
-                          </p:cTn>
-                        </p:par>
-                        <p:par>
-                          <p:cTn id="11" fill="hold">
-                            <p:stCondLst>
-                              <p:cond delay="1500"/>
-                            </p:stCondLst>
-                            <p:childTnLst>
-                              <p:par>
-                                <p:cTn id="12" presetID="0" presetClass="path" presetSubtype="0" accel="50000" decel="50000" fill="hold" grpId="0" nodeType="afterEffect">
-                                  <p:stCondLst>
-                                    <p:cond delay="0"/>
-                                  </p:stCondLst>
-                                  <p:childTnLst>
-                                    <p:animMotion origin="layout" path="M 0.04236 2.22222E-6 L 3.61111E-6 2.22222E-6 " pathEditMode="relative" rAng="0" ptsTypes="AA">
-                                      <p:cBhvr>
-                                        <p:cTn id="13" dur="300" fill="hold"/>
-                                        <p:tgtEl>
-                                          <p:spTgt spid="5"/>
-                                        </p:tgtEl>
-                                        <p:attrNameLst>
-                                          <p:attrName>ppt_x</p:attrName>
-                                          <p:attrName>ppt_y</p:attrName>
-                                        </p:attrNameLst>
-                                      </p:cBhvr>
-                                      <p:rCtr x="-2118" y="0"/>
-                                    </p:animMotion>
-                                  </p:childTnLst>
-                                </p:cTn>
-                              </p:par>
-                              <p:par>
-                                <p:cTn id="14" presetID="10" presetClass="entr" presetSubtype="0" fill="hold" grpId="1" nodeType="withEffect">
-                                  <p:stCondLst>
-                                    <p:cond delay="0"/>
-                                  </p:stCondLst>
-                                  <p:childTnLst>
-                                    <p:set>
-                                      <p:cBhvr>
-                                        <p:cTn id="15" dur="1" fill="hold">
-                                          <p:stCondLst>
-                                            <p:cond delay="0"/>
-                                          </p:stCondLst>
-                                        </p:cTn>
-                                        <p:tgtEl>
-                                          <p:spTgt spid="5"/>
-                                        </p:tgtEl>
-                                        <p:attrNameLst>
-                                          <p:attrName>style.visibility</p:attrName>
-                                        </p:attrNameLst>
-                                      </p:cBhvr>
-                                      <p:to>
-                                        <p:strVal val="visible"/>
-                                      </p:to>
-                                    </p:set>
-                                    <p:animEffect transition="in" filter="fade">
-                                      <p:cBhvr>
-                                        <p:cTn id="16" dur="500"/>
-                                        <p:tgtEl>
-                                          <p:spTgt spid="5"/>
-                                        </p:tgtEl>
-                                      </p:cBhvr>
-                                    </p:animEffect>
-                                  </p:childTnLst>
-                                </p:cTn>
-                              </p:par>
-                            </p:childTnLst>
-                          </p:cTn>
-                        </p:par>
-                        <p:par>
-                          <p:cTn id="17" fill="hold">
-                            <p:stCondLst>
-                              <p:cond delay="2000"/>
-                            </p:stCondLst>
-                            <p:childTnLst>
-                              <p:par>
-                                <p:cTn id="18" presetID="10" presetClass="entr" presetSubtype="0" fill="hold" grpId="0" nodeType="afterEffect">
-                                  <p:stCondLst>
-                                    <p:cond delay="0"/>
-                                  </p:stCondLst>
-                                  <p:childTnLst>
-                                    <p:set>
-                                      <p:cBhvr>
-                                        <p:cTn id="19" dur="1" fill="hold">
-                                          <p:stCondLst>
-                                            <p:cond delay="0"/>
-                                          </p:stCondLst>
-                                        </p:cTn>
-                                        <p:tgtEl>
-                                          <p:spTgt spid="8"/>
-                                        </p:tgtEl>
-                                        <p:attrNameLst>
-                                          <p:attrName>style.visibility</p:attrName>
-                                        </p:attrNameLst>
-                                      </p:cBhvr>
-                                      <p:to>
-                                        <p:strVal val="visible"/>
-                                      </p:to>
-                                    </p:set>
-                                    <p:animEffect transition="in" filter="fade">
-                                      <p:cBhvr>
-                                        <p:cTn id="20" dur="300"/>
-                                        <p:tgtEl>
-                                          <p:spTgt spid="8"/>
-                                        </p:tgtEl>
-                                      </p:cBhvr>
-                                    </p:animEffect>
-                                  </p:childTnLst>
-                                </p:cTn>
-                              </p:par>
-                              <p:par>
-                                <p:cTn id="21" presetID="0" presetClass="path" presetSubtype="0" accel="50000" decel="50000" fill="hold" grpId="1" nodeType="withEffect">
-                                  <p:stCondLst>
-                                    <p:cond delay="0"/>
-                                  </p:stCondLst>
-                                  <p:childTnLst>
-                                    <p:animMotion origin="layout" path="M 3.88889E-6 0.0169 L 3.88889E-6 -4.44444E-6 " pathEditMode="relative" rAng="0" ptsTypes="AA">
-                                      <p:cBhvr>
-                                        <p:cTn id="22" dur="200" fill="hold"/>
-                                        <p:tgtEl>
-                                          <p:spTgt spid="8"/>
-                                        </p:tgtEl>
-                                        <p:attrNameLst>
-                                          <p:attrName>ppt_x</p:attrName>
-                                          <p:attrName>ppt_y</p:attrName>
-                                        </p:attrNameLst>
-                                      </p:cBhvr>
-                                      <p:rCtr x="0" y="-856"/>
-                                    </p:animMotion>
-                                  </p:childTnLst>
-                                </p:cTn>
-                              </p:par>
-                            </p:childTnLst>
-                          </p:cTn>
-                        </p:par>
-                        <p:par>
-                          <p:cTn id="23" fill="hold">
-                            <p:stCondLst>
-                              <p:cond delay="2300"/>
-                            </p:stCondLst>
-                            <p:childTnLst>
-                              <p:par>
-                                <p:cTn id="24" presetID="10" presetClass="entr" presetSubtype="0" fill="hold" grpId="0" nodeType="afterEffect">
-                                  <p:stCondLst>
-                                    <p:cond delay="0"/>
-                                  </p:stCondLst>
-                                  <p:childTnLst>
-                                    <p:set>
-                                      <p:cBhvr>
-                                        <p:cTn id="25" dur="1" fill="hold">
-                                          <p:stCondLst>
-                                            <p:cond delay="0"/>
-                                          </p:stCondLst>
-                                        </p:cTn>
-                                        <p:tgtEl>
-                                          <p:spTgt spid="10"/>
-                                        </p:tgtEl>
-                                        <p:attrNameLst>
-                                          <p:attrName>style.visibility</p:attrName>
-                                        </p:attrNameLst>
-                                      </p:cBhvr>
-                                      <p:to>
-                                        <p:strVal val="visible"/>
-                                      </p:to>
-                                    </p:set>
-                                    <p:animEffect transition="in" filter="fade">
-                                      <p:cBhvr>
-                                        <p:cTn id="26" dur="200"/>
-                                        <p:tgtEl>
-                                          <p:spTgt spid="10"/>
-                                        </p:tgtEl>
-                                      </p:cBhvr>
-                                    </p:animEffect>
-                                  </p:childTnLst>
-                                </p:cTn>
-                              </p:par>
-                            </p:childTnLst>
-                          </p:cTn>
-                        </p:par>
-                      </p:childTnLst>
-                    </p:cTn>
-                  </p:par>
-                </p:childTnLst>
-              </p:cTn>
-              <p:prevCondLst>
-                <p:cond evt="onPrev" delay="0">
-                  <p:tgtEl>
-                    <p:sldTgt/>
-                  </p:tgtEl>
-                </p:cond>
-              </p:prevCondLst>
-              <p:nextCondLst>
-                <p:cond evt="onNext" delay="0">
-                  <p:tgtEl>
-                    <p:sldTgt/>
-                  </p:tgtEl>
-                </p:cond>
-              </p:nextCondLst>
-            </p:seq>
-          </p:childTnLst>
-        </p:cTn>
-      </p:par>
-    </p:tnLst>
-    <p:bldLst>
-      <p:bldP spid="5" grpId="0" animBg="1"/>
-      <p:bldP spid="5" grpId="1" animBg="1"/>
-      <p:bldP spid="5" grpId="2" animBg="1"/>
-      <p:bldP spid="8" grpId="0"/>
-      <p:bldP spid="8" grpId="1"/>
-      <p:bldP spid="10" grpId="0" animBg="1"/>
-    </p:bldLst>
   </p:timing>
 </p:sld>
 </file>
